--- a/papers/journalSwarmControl/pictures/pdf/PotentialField.pptx
+++ b/papers/journalSwarmControl/pictures/pdf/PotentialField.pptx
@@ -7,7 +7,7 @@
   <p:sldIdLst>
     <p:sldId id="256" r:id="rId2"/>
   </p:sldIdLst>
-  <p:sldSz cx="23774400" cy="7315200"/>
+  <p:sldSz cx="21945600" cy="7315200"/>
   <p:notesSz cx="6858000" cy="9144000"/>
   <p:defaultTextStyle>
     <a:defPPr>
@@ -136,8 +136,8 @@
         </p:nvSpPr>
         <p:spPr>
           <a:xfrm>
-            <a:off x="1783080" y="2272455"/>
-            <a:ext cx="20208240" cy="1568027"/>
+            <a:off x="1645920" y="2272458"/>
+            <a:ext cx="18653760" cy="1568027"/>
           </a:xfrm>
         </p:spPr>
         <p:txBody>
@@ -164,8 +164,8 @@
         </p:nvSpPr>
         <p:spPr>
           <a:xfrm>
-            <a:off x="3566160" y="4145280"/>
-            <a:ext cx="16642080" cy="1869440"/>
+            <a:off x="3291840" y="4145280"/>
+            <a:ext cx="15361920" cy="1869440"/>
           </a:xfrm>
         </p:spPr>
         <p:txBody>
@@ -548,8 +548,8 @@
         </p:nvSpPr>
         <p:spPr>
           <a:xfrm>
-            <a:off x="17236440" y="292949"/>
-            <a:ext cx="5349240" cy="6241627"/>
+            <a:off x="15910560" y="292952"/>
+            <a:ext cx="4937760" cy="6241627"/>
           </a:xfrm>
         </p:spPr>
         <p:txBody>
@@ -576,8 +576,8 @@
         </p:nvSpPr>
         <p:spPr>
           <a:xfrm>
-            <a:off x="1188720" y="292949"/>
-            <a:ext cx="15651480" cy="6241627"/>
+            <a:off x="1097280" y="292952"/>
+            <a:ext cx="14447520" cy="6241627"/>
           </a:xfrm>
         </p:spPr>
         <p:txBody>
@@ -898,8 +898,8 @@
         </p:nvSpPr>
         <p:spPr>
           <a:xfrm>
-            <a:off x="1878014" y="4700695"/>
-            <a:ext cx="20208240" cy="1452880"/>
+            <a:off x="1733551" y="4700695"/>
+            <a:ext cx="18653760" cy="1452880"/>
           </a:xfrm>
         </p:spPr>
         <p:txBody>
@@ -930,8 +930,8 @@
         </p:nvSpPr>
         <p:spPr>
           <a:xfrm>
-            <a:off x="1878014" y="3100496"/>
-            <a:ext cx="20208240" cy="1600199"/>
+            <a:off x="1733551" y="3100499"/>
+            <a:ext cx="18653760" cy="1600199"/>
           </a:xfrm>
         </p:spPr>
         <p:txBody>
@@ -1167,8 +1167,8 @@
         </p:nvSpPr>
         <p:spPr>
           <a:xfrm>
-            <a:off x="1188720" y="1706882"/>
-            <a:ext cx="10500360" cy="4827694"/>
+            <a:off x="1097280" y="1706882"/>
+            <a:ext cx="9692640" cy="4827694"/>
           </a:xfrm>
         </p:spPr>
         <p:txBody>
@@ -1252,8 +1252,8 @@
         </p:nvSpPr>
         <p:spPr>
           <a:xfrm>
-            <a:off x="12085320" y="1706882"/>
-            <a:ext cx="10500360" cy="4827694"/>
+            <a:off x="11155680" y="1706882"/>
+            <a:ext cx="9692640" cy="4827694"/>
           </a:xfrm>
         </p:spPr>
         <p:txBody>
@@ -1459,8 +1459,8 @@
         </p:nvSpPr>
         <p:spPr>
           <a:xfrm>
-            <a:off x="1188720" y="1637454"/>
-            <a:ext cx="10504489" cy="682413"/>
+            <a:off x="1097282" y="1637457"/>
+            <a:ext cx="9696451" cy="682413"/>
           </a:xfrm>
         </p:spPr>
         <p:txBody>
@@ -1524,8 +1524,8 @@
         </p:nvSpPr>
         <p:spPr>
           <a:xfrm>
-            <a:off x="1188720" y="2319867"/>
-            <a:ext cx="10504489" cy="4214707"/>
+            <a:off x="1097282" y="2319870"/>
+            <a:ext cx="9696451" cy="4214707"/>
           </a:xfrm>
         </p:spPr>
         <p:txBody>
@@ -1609,8 +1609,8 @@
         </p:nvSpPr>
         <p:spPr>
           <a:xfrm>
-            <a:off x="12077069" y="1637454"/>
-            <a:ext cx="10508615" cy="682413"/>
+            <a:off x="11148064" y="1637457"/>
+            <a:ext cx="9700260" cy="682413"/>
           </a:xfrm>
         </p:spPr>
         <p:txBody>
@@ -1674,8 +1674,8 @@
         </p:nvSpPr>
         <p:spPr>
           <a:xfrm>
-            <a:off x="12077069" y="2319867"/>
-            <a:ext cx="10508615" cy="4214707"/>
+            <a:off x="11148064" y="2319870"/>
+            <a:ext cx="9700260" cy="4214707"/>
           </a:xfrm>
         </p:spPr>
         <p:txBody>
@@ -2067,8 +2067,8 @@
         </p:nvSpPr>
         <p:spPr>
           <a:xfrm>
-            <a:off x="1188724" y="291253"/>
-            <a:ext cx="7821614" cy="1239520"/>
+            <a:off x="1097285" y="291253"/>
+            <a:ext cx="7219951" cy="1239520"/>
           </a:xfrm>
         </p:spPr>
         <p:txBody>
@@ -2099,8 +2099,8 @@
         </p:nvSpPr>
         <p:spPr>
           <a:xfrm>
-            <a:off x="9295130" y="291255"/>
-            <a:ext cx="13290550" cy="6243321"/>
+            <a:off x="8580120" y="291258"/>
+            <a:ext cx="12268200" cy="6243321"/>
           </a:xfrm>
         </p:spPr>
         <p:txBody>
@@ -2184,8 +2184,8 @@
         </p:nvSpPr>
         <p:spPr>
           <a:xfrm>
-            <a:off x="1188724" y="1530775"/>
-            <a:ext cx="7821614" cy="5003801"/>
+            <a:off x="1097285" y="1530776"/>
+            <a:ext cx="7219951" cy="5003801"/>
           </a:xfrm>
         </p:spPr>
         <p:txBody>
@@ -2344,8 +2344,8 @@
         </p:nvSpPr>
         <p:spPr>
           <a:xfrm>
-            <a:off x="4659949" y="5120640"/>
-            <a:ext cx="14264640" cy="604521"/>
+            <a:off x="4301491" y="5120643"/>
+            <a:ext cx="13167360" cy="604521"/>
           </a:xfrm>
         </p:spPr>
         <p:txBody>
@@ -2376,8 +2376,8 @@
         </p:nvSpPr>
         <p:spPr>
           <a:xfrm>
-            <a:off x="4659949" y="653627"/>
-            <a:ext cx="14264640" cy="4389120"/>
+            <a:off x="4301491" y="653627"/>
+            <a:ext cx="13167360" cy="4389120"/>
           </a:xfrm>
         </p:spPr>
         <p:txBody>
@@ -2437,8 +2437,8 @@
         </p:nvSpPr>
         <p:spPr>
           <a:xfrm>
-            <a:off x="4659949" y="5725161"/>
-            <a:ext cx="14264640" cy="858519"/>
+            <a:off x="4301491" y="5725164"/>
+            <a:ext cx="13167360" cy="858519"/>
           </a:xfrm>
         </p:spPr>
         <p:txBody>
@@ -2602,8 +2602,8 @@
         </p:nvSpPr>
         <p:spPr>
           <a:xfrm>
-            <a:off x="1188720" y="292947"/>
-            <a:ext cx="21396960" cy="1219200"/>
+            <a:off x="1097280" y="292947"/>
+            <a:ext cx="19751040" cy="1219200"/>
           </a:xfrm>
           <a:prstGeom prst="rect">
             <a:avLst/>
@@ -2635,8 +2635,8 @@
         </p:nvSpPr>
         <p:spPr>
           <a:xfrm>
-            <a:off x="1188720" y="1706882"/>
-            <a:ext cx="21396960" cy="4827694"/>
+            <a:off x="1097280" y="1706882"/>
+            <a:ext cx="19751040" cy="4827694"/>
           </a:xfrm>
           <a:prstGeom prst="rect">
             <a:avLst/>
@@ -2697,8 +2697,8 @@
         </p:nvSpPr>
         <p:spPr>
           <a:xfrm>
-            <a:off x="1188720" y="6780108"/>
-            <a:ext cx="5547360" cy="389467"/>
+            <a:off x="1097280" y="6780111"/>
+            <a:ext cx="5120640" cy="389467"/>
           </a:xfrm>
           <a:prstGeom prst="rect">
             <a:avLst/>
@@ -2738,8 +2738,8 @@
         </p:nvSpPr>
         <p:spPr>
           <a:xfrm>
-            <a:off x="8122920" y="6780108"/>
-            <a:ext cx="7528560" cy="389467"/>
+            <a:off x="7498080" y="6780111"/>
+            <a:ext cx="6949440" cy="389467"/>
           </a:xfrm>
           <a:prstGeom prst="rect">
             <a:avLst/>
@@ -2775,8 +2775,8 @@
         </p:nvSpPr>
         <p:spPr>
           <a:xfrm>
-            <a:off x="17038320" y="6780108"/>
-            <a:ext cx="5547360" cy="389467"/>
+            <a:off x="15727680" y="6780111"/>
+            <a:ext cx="5120640" cy="389467"/>
           </a:xfrm>
           <a:prstGeom prst="rect">
             <a:avLst/>
@@ -3097,7 +3097,7 @@
       </p:grpSpPr>
       <p:pic>
         <p:nvPicPr>
-          <p:cNvPr id="1031" name="Picture 7"/>
+          <p:cNvPr id="12" name="Picture 7"/>
           <p:cNvPicPr>
             <a:picLocks noChangeAspect="1" noChangeArrowheads="1"/>
           </p:cNvPicPr>
@@ -3116,7 +3116,7 @@
         </p:blipFill>
         <p:spPr bwMode="auto">
           <a:xfrm>
-            <a:off x="1295400" y="208223"/>
+            <a:off x="304801" y="219435"/>
             <a:ext cx="6841131" cy="6851178"/>
           </a:xfrm>
           <a:prstGeom prst="rect">
@@ -3159,7 +3159,7 @@
       </p:pic>
       <p:pic>
         <p:nvPicPr>
-          <p:cNvPr id="1032" name="Picture 8"/>
+          <p:cNvPr id="13" name="Picture 8"/>
           <p:cNvPicPr>
             <a:picLocks noChangeAspect="1" noChangeArrowheads="1"/>
           </p:cNvPicPr>
@@ -3178,8 +3178,8 @@
         </p:blipFill>
         <p:spPr bwMode="auto">
           <a:xfrm>
-            <a:off x="8534400" y="215424"/>
-            <a:ext cx="6844558" cy="6843977"/>
+            <a:off x="7543800" y="226638"/>
+            <a:ext cx="6844559" cy="6843977"/>
           </a:xfrm>
           <a:prstGeom prst="rect">
             <a:avLst/>
@@ -3221,7 +3221,7 @@
       </p:pic>
       <p:pic>
         <p:nvPicPr>
-          <p:cNvPr id="1033" name="Picture 9"/>
+          <p:cNvPr id="14" name="Picture 9"/>
           <p:cNvPicPr>
             <a:picLocks noChangeAspect="1" noChangeArrowheads="1"/>
           </p:cNvPicPr>
@@ -3240,7 +3240,7 @@
         </p:blipFill>
         <p:spPr bwMode="auto">
           <a:xfrm>
-            <a:off x="15737305" y="204212"/>
+            <a:off x="14746706" y="215424"/>
             <a:ext cx="6850251" cy="6851178"/>
           </a:xfrm>
           <a:prstGeom prst="rect">

--- a/papers/journalSwarmControl/pictures/pdf/PotentialField.pptx
+++ b/papers/journalSwarmControl/pictures/pdf/PotentialField.pptx
@@ -288,7 +288,7 @@
           <a:p>
             <a:fld id="{9CBA829A-D9D5-46BA-A2F7-9C69DF31B345}" type="datetimeFigureOut">
               <a:rPr lang="en-US" smtClean="0"/>
-              <a:t>7/28/2016</a:t>
+              <a:t>8/3/16</a:t>
             </a:fld>
             <a:endParaRPr lang="en-US"/>
           </a:p>
@@ -458,7 +458,7 @@
           <a:p>
             <a:fld id="{9CBA829A-D9D5-46BA-A2F7-9C69DF31B345}" type="datetimeFigureOut">
               <a:rPr lang="en-US" smtClean="0"/>
-              <a:t>7/28/2016</a:t>
+              <a:t>8/3/16</a:t>
             </a:fld>
             <a:endParaRPr lang="en-US"/>
           </a:p>
@@ -638,7 +638,7 @@
           <a:p>
             <a:fld id="{9CBA829A-D9D5-46BA-A2F7-9C69DF31B345}" type="datetimeFigureOut">
               <a:rPr lang="en-US" smtClean="0"/>
-              <a:t>7/28/2016</a:t>
+              <a:t>8/3/16</a:t>
             </a:fld>
             <a:endParaRPr lang="en-US"/>
           </a:p>
@@ -808,7 +808,7 @@
           <a:p>
             <a:fld id="{9CBA829A-D9D5-46BA-A2F7-9C69DF31B345}" type="datetimeFigureOut">
               <a:rPr lang="en-US" smtClean="0"/>
-              <a:t>7/28/2016</a:t>
+              <a:t>8/3/16</a:t>
             </a:fld>
             <a:endParaRPr lang="en-US"/>
           </a:p>
@@ -1054,7 +1054,7 @@
           <a:p>
             <a:fld id="{9CBA829A-D9D5-46BA-A2F7-9C69DF31B345}" type="datetimeFigureOut">
               <a:rPr lang="en-US" smtClean="0"/>
-              <a:t>7/28/2016</a:t>
+              <a:t>8/3/16</a:t>
             </a:fld>
             <a:endParaRPr lang="en-US"/>
           </a:p>
@@ -1342,7 +1342,7 @@
           <a:p>
             <a:fld id="{9CBA829A-D9D5-46BA-A2F7-9C69DF31B345}" type="datetimeFigureOut">
               <a:rPr lang="en-US" smtClean="0"/>
-              <a:t>7/28/2016</a:t>
+              <a:t>8/3/16</a:t>
             </a:fld>
             <a:endParaRPr lang="en-US"/>
           </a:p>
@@ -1764,7 +1764,7 @@
           <a:p>
             <a:fld id="{9CBA829A-D9D5-46BA-A2F7-9C69DF31B345}" type="datetimeFigureOut">
               <a:rPr lang="en-US" smtClean="0"/>
-              <a:t>7/28/2016</a:t>
+              <a:t>8/3/16</a:t>
             </a:fld>
             <a:endParaRPr lang="en-US"/>
           </a:p>
@@ -1882,7 +1882,7 @@
           <a:p>
             <a:fld id="{9CBA829A-D9D5-46BA-A2F7-9C69DF31B345}" type="datetimeFigureOut">
               <a:rPr lang="en-US" smtClean="0"/>
-              <a:t>7/28/2016</a:t>
+              <a:t>8/3/16</a:t>
             </a:fld>
             <a:endParaRPr lang="en-US"/>
           </a:p>
@@ -1977,7 +1977,7 @@
           <a:p>
             <a:fld id="{9CBA829A-D9D5-46BA-A2F7-9C69DF31B345}" type="datetimeFigureOut">
               <a:rPr lang="en-US" smtClean="0"/>
-              <a:t>7/28/2016</a:t>
+              <a:t>8/3/16</a:t>
             </a:fld>
             <a:endParaRPr lang="en-US"/>
           </a:p>
@@ -2254,7 +2254,7 @@
           <a:p>
             <a:fld id="{9CBA829A-D9D5-46BA-A2F7-9C69DF31B345}" type="datetimeFigureOut">
               <a:rPr lang="en-US" smtClean="0"/>
-              <a:t>7/28/2016</a:t>
+              <a:t>8/3/16</a:t>
             </a:fld>
             <a:endParaRPr lang="en-US"/>
           </a:p>
@@ -2507,7 +2507,7 @@
           <a:p>
             <a:fld id="{9CBA829A-D9D5-46BA-A2F7-9C69DF31B345}" type="datetimeFigureOut">
               <a:rPr lang="en-US" smtClean="0"/>
-              <a:t>7/28/2016</a:t>
+              <a:t>8/3/16</a:t>
             </a:fld>
             <a:endParaRPr lang="en-US"/>
           </a:p>
@@ -2720,7 +2720,7 @@
           <a:p>
             <a:fld id="{9CBA829A-D9D5-46BA-A2F7-9C69DF31B345}" type="datetimeFigureOut">
               <a:rPr lang="en-US" smtClean="0"/>
-              <a:t>7/28/2016</a:t>
+              <a:t>8/3/16</a:t>
             </a:fld>
             <a:endParaRPr lang="en-US"/>
           </a:p>
@@ -3116,7 +3116,7 @@
         </p:blipFill>
         <p:spPr bwMode="auto">
           <a:xfrm>
-            <a:off x="304801" y="219435"/>
+            <a:off x="14799669" y="159222"/>
             <a:ext cx="6841131" cy="6851178"/>
           </a:xfrm>
           <a:prstGeom prst="rect">
@@ -3128,14 +3128,14 @@
           </a:ln>
           <a:effectLst/>
           <a:extLst>
-            <a:ext uri="{909E8E84-426E-40DD-AFC4-6F175D3DCCD1}">
+            <a:ext uri="{909E8E84-426E-40dd-AFC4-6F175D3DCCD1}">
               <a14:hiddenFill xmlns:a14="http://schemas.microsoft.com/office/drawing/2010/main">
                 <a:solidFill>
                   <a:schemeClr val="accent1"/>
                 </a:solidFill>
               </a14:hiddenFill>
             </a:ext>
-            <a:ext uri="{91240B29-F687-4F45-9708-019B960494DF}">
+            <a:ext uri="{91240B29-F687-4f45-9708-019B960494DF}">
               <a14:hiddenLine xmlns:a14="http://schemas.microsoft.com/office/drawing/2010/main" w="9525">
                 <a:solidFill>
                   <a:schemeClr val="tx1"/>
@@ -3145,7 +3145,7 @@
                 <a:tailEnd/>
               </a14:hiddenLine>
             </a:ext>
-            <a:ext uri="{AF507438-7753-43E0-B8FC-AC1667EBCBE1}">
+            <a:ext uri="{AF507438-7753-43e0-B8FC-AC1667EBCBE1}">
               <a14:hiddenEffects xmlns:a14="http://schemas.microsoft.com/office/drawing/2010/main">
                 <a:effectLst>
                   <a:outerShdw dist="35921" dir="2700000" algn="ctr" rotWithShape="0">
@@ -3178,7 +3178,7 @@
         </p:blipFill>
         <p:spPr bwMode="auto">
           <a:xfrm>
-            <a:off x="7543800" y="226638"/>
+            <a:off x="152400" y="166423"/>
             <a:ext cx="6844559" cy="6843977"/>
           </a:xfrm>
           <a:prstGeom prst="rect">
@@ -3190,14 +3190,14 @@
           </a:ln>
           <a:effectLst/>
           <a:extLst>
-            <a:ext uri="{909E8E84-426E-40DD-AFC4-6F175D3DCCD1}">
+            <a:ext uri="{909E8E84-426E-40dd-AFC4-6F175D3DCCD1}">
               <a14:hiddenFill xmlns:a14="http://schemas.microsoft.com/office/drawing/2010/main">
                 <a:solidFill>
                   <a:schemeClr val="accent1"/>
                 </a:solidFill>
               </a14:hiddenFill>
             </a:ext>
-            <a:ext uri="{91240B29-F687-4F45-9708-019B960494DF}">
+            <a:ext uri="{91240B29-F687-4f45-9708-019B960494DF}">
               <a14:hiddenLine xmlns:a14="http://schemas.microsoft.com/office/drawing/2010/main" w="9525">
                 <a:solidFill>
                   <a:schemeClr val="tx1"/>
@@ -3207,7 +3207,7 @@
                 <a:tailEnd/>
               </a14:hiddenLine>
             </a:ext>
-            <a:ext uri="{AF507438-7753-43E0-B8FC-AC1667EBCBE1}">
+            <a:ext uri="{AF507438-7753-43e0-B8FC-AC1667EBCBE1}">
               <a14:hiddenEffects xmlns:a14="http://schemas.microsoft.com/office/drawing/2010/main">
                 <a:effectLst>
                   <a:outerShdw dist="35921" dir="2700000" algn="ctr" rotWithShape="0">
@@ -3240,7 +3240,7 @@
         </p:blipFill>
         <p:spPr bwMode="auto">
           <a:xfrm>
-            <a:off x="14746706" y="215424"/>
+            <a:off x="7467600" y="152400"/>
             <a:ext cx="6850251" cy="6851178"/>
           </a:xfrm>
           <a:prstGeom prst="rect">
@@ -3252,14 +3252,14 @@
           </a:ln>
           <a:effectLst/>
           <a:extLst>
-            <a:ext uri="{909E8E84-426E-40DD-AFC4-6F175D3DCCD1}">
+            <a:ext uri="{909E8E84-426E-40dd-AFC4-6F175D3DCCD1}">
               <a14:hiddenFill xmlns:a14="http://schemas.microsoft.com/office/drawing/2010/main">
                 <a:solidFill>
                   <a:schemeClr val="accent1"/>
                 </a:solidFill>
               </a14:hiddenFill>
             </a:ext>
-            <a:ext uri="{91240B29-F687-4F45-9708-019B960494DF}">
+            <a:ext uri="{91240B29-F687-4f45-9708-019B960494DF}">
               <a14:hiddenLine xmlns:a14="http://schemas.microsoft.com/office/drawing/2010/main" w="9525">
                 <a:solidFill>
                   <a:schemeClr val="tx1"/>
@@ -3269,7 +3269,7 @@
                 <a:tailEnd/>
               </a14:hiddenLine>
             </a:ext>
-            <a:ext uri="{AF507438-7753-43E0-B8FC-AC1667EBCBE1}">
+            <a:ext uri="{AF507438-7753-43e0-B8FC-AC1667EBCBE1}">
               <a14:hiddenEffects xmlns:a14="http://schemas.microsoft.com/office/drawing/2010/main">
                 <a:effectLst>
                   <a:outerShdw dist="35921" dir="2700000" algn="ctr" rotWithShape="0">
@@ -3294,7 +3294,7 @@
   <p:timing>
     <p:tnLst>
       <p:par>
-        <p:cTn id="1" dur="indefinite" restart="never" nodeType="tmRoot"/>
+        <p:cTn xmlns:p14="http://schemas.microsoft.com/office/powerpoint/2010/main" id="1" dur="indefinite" restart="never" nodeType="tmRoot"/>
       </p:par>
     </p:tnLst>
   </p:timing>

--- a/papers/journalSwarmControl/pictures/pdf/PotentialField.pptx
+++ b/papers/journalSwarmControl/pictures/pdf/PotentialField.pptx
@@ -288,7 +288,7 @@
           <a:p>
             <a:fld id="{9CBA829A-D9D5-46BA-A2F7-9C69DF31B345}" type="datetimeFigureOut">
               <a:rPr lang="en-US" smtClean="0"/>
-              <a:t>8/3/16</a:t>
+              <a:t>8/8/2016</a:t>
             </a:fld>
             <a:endParaRPr lang="en-US"/>
           </a:p>
@@ -458,7 +458,7 @@
           <a:p>
             <a:fld id="{9CBA829A-D9D5-46BA-A2F7-9C69DF31B345}" type="datetimeFigureOut">
               <a:rPr lang="en-US" smtClean="0"/>
-              <a:t>8/3/16</a:t>
+              <a:t>8/8/2016</a:t>
             </a:fld>
             <a:endParaRPr lang="en-US"/>
           </a:p>
@@ -638,7 +638,7 @@
           <a:p>
             <a:fld id="{9CBA829A-D9D5-46BA-A2F7-9C69DF31B345}" type="datetimeFigureOut">
               <a:rPr lang="en-US" smtClean="0"/>
-              <a:t>8/3/16</a:t>
+              <a:t>8/8/2016</a:t>
             </a:fld>
             <a:endParaRPr lang="en-US"/>
           </a:p>
@@ -808,7 +808,7 @@
           <a:p>
             <a:fld id="{9CBA829A-D9D5-46BA-A2F7-9C69DF31B345}" type="datetimeFigureOut">
               <a:rPr lang="en-US" smtClean="0"/>
-              <a:t>8/3/16</a:t>
+              <a:t>8/8/2016</a:t>
             </a:fld>
             <a:endParaRPr lang="en-US"/>
           </a:p>
@@ -1054,7 +1054,7 @@
           <a:p>
             <a:fld id="{9CBA829A-D9D5-46BA-A2F7-9C69DF31B345}" type="datetimeFigureOut">
               <a:rPr lang="en-US" smtClean="0"/>
-              <a:t>8/3/16</a:t>
+              <a:t>8/8/2016</a:t>
             </a:fld>
             <a:endParaRPr lang="en-US"/>
           </a:p>
@@ -1342,7 +1342,7 @@
           <a:p>
             <a:fld id="{9CBA829A-D9D5-46BA-A2F7-9C69DF31B345}" type="datetimeFigureOut">
               <a:rPr lang="en-US" smtClean="0"/>
-              <a:t>8/3/16</a:t>
+              <a:t>8/8/2016</a:t>
             </a:fld>
             <a:endParaRPr lang="en-US"/>
           </a:p>
@@ -1764,7 +1764,7 @@
           <a:p>
             <a:fld id="{9CBA829A-D9D5-46BA-A2F7-9C69DF31B345}" type="datetimeFigureOut">
               <a:rPr lang="en-US" smtClean="0"/>
-              <a:t>8/3/16</a:t>
+              <a:t>8/8/2016</a:t>
             </a:fld>
             <a:endParaRPr lang="en-US"/>
           </a:p>
@@ -1882,7 +1882,7 @@
           <a:p>
             <a:fld id="{9CBA829A-D9D5-46BA-A2F7-9C69DF31B345}" type="datetimeFigureOut">
               <a:rPr lang="en-US" smtClean="0"/>
-              <a:t>8/3/16</a:t>
+              <a:t>8/8/2016</a:t>
             </a:fld>
             <a:endParaRPr lang="en-US"/>
           </a:p>
@@ -1977,7 +1977,7 @@
           <a:p>
             <a:fld id="{9CBA829A-D9D5-46BA-A2F7-9C69DF31B345}" type="datetimeFigureOut">
               <a:rPr lang="en-US" smtClean="0"/>
-              <a:t>8/3/16</a:t>
+              <a:t>8/8/2016</a:t>
             </a:fld>
             <a:endParaRPr lang="en-US"/>
           </a:p>
@@ -2254,7 +2254,7 @@
           <a:p>
             <a:fld id="{9CBA829A-D9D5-46BA-A2F7-9C69DF31B345}" type="datetimeFigureOut">
               <a:rPr lang="en-US" smtClean="0"/>
-              <a:t>8/3/16</a:t>
+              <a:t>8/8/2016</a:t>
             </a:fld>
             <a:endParaRPr lang="en-US"/>
           </a:p>
@@ -2507,7 +2507,7 @@
           <a:p>
             <a:fld id="{9CBA829A-D9D5-46BA-A2F7-9C69DF31B345}" type="datetimeFigureOut">
               <a:rPr lang="en-US" smtClean="0"/>
-              <a:t>8/3/16</a:t>
+              <a:t>8/8/2016</a:t>
             </a:fld>
             <a:endParaRPr lang="en-US"/>
           </a:p>
@@ -2720,7 +2720,7 @@
           <a:p>
             <a:fld id="{9CBA829A-D9D5-46BA-A2F7-9C69DF31B345}" type="datetimeFigureOut">
               <a:rPr lang="en-US" smtClean="0"/>
-              <a:t>8/3/16</a:t>
+              <a:t>8/8/2016</a:t>
             </a:fld>
             <a:endParaRPr lang="en-US"/>
           </a:p>
@@ -3128,14 +3128,14 @@
           </a:ln>
           <a:effectLst/>
           <a:extLst>
-            <a:ext uri="{909E8E84-426E-40dd-AFC4-6F175D3DCCD1}">
+            <a:ext uri="{909E8E84-426E-40DD-AFC4-6F175D3DCCD1}">
               <a14:hiddenFill xmlns:a14="http://schemas.microsoft.com/office/drawing/2010/main">
                 <a:solidFill>
                   <a:schemeClr val="accent1"/>
                 </a:solidFill>
               </a14:hiddenFill>
             </a:ext>
-            <a:ext uri="{91240B29-F687-4f45-9708-019B960494DF}">
+            <a:ext uri="{91240B29-F687-4F45-9708-019B960494DF}">
               <a14:hiddenLine xmlns:a14="http://schemas.microsoft.com/office/drawing/2010/main" w="9525">
                 <a:solidFill>
                   <a:schemeClr val="tx1"/>
@@ -3145,7 +3145,7 @@
                 <a:tailEnd/>
               </a14:hiddenLine>
             </a:ext>
-            <a:ext uri="{AF507438-7753-43e0-B8FC-AC1667EBCBE1}">
+            <a:ext uri="{AF507438-7753-43E0-B8FC-AC1667EBCBE1}">
               <a14:hiddenEffects xmlns:a14="http://schemas.microsoft.com/office/drawing/2010/main">
                 <a:effectLst>
                   <a:outerShdw dist="35921" dir="2700000" algn="ctr" rotWithShape="0">
@@ -3190,14 +3190,14 @@
           </a:ln>
           <a:effectLst/>
           <a:extLst>
-            <a:ext uri="{909E8E84-426E-40dd-AFC4-6F175D3DCCD1}">
+            <a:ext uri="{909E8E84-426E-40DD-AFC4-6F175D3DCCD1}">
               <a14:hiddenFill xmlns:a14="http://schemas.microsoft.com/office/drawing/2010/main">
                 <a:solidFill>
                   <a:schemeClr val="accent1"/>
                 </a:solidFill>
               </a14:hiddenFill>
             </a:ext>
-            <a:ext uri="{91240B29-F687-4f45-9708-019B960494DF}">
+            <a:ext uri="{91240B29-F687-4F45-9708-019B960494DF}">
               <a14:hiddenLine xmlns:a14="http://schemas.microsoft.com/office/drawing/2010/main" w="9525">
                 <a:solidFill>
                   <a:schemeClr val="tx1"/>
@@ -3207,7 +3207,7 @@
                 <a:tailEnd/>
               </a14:hiddenLine>
             </a:ext>
-            <a:ext uri="{AF507438-7753-43e0-B8FC-AC1667EBCBE1}">
+            <a:ext uri="{AF507438-7753-43E0-B8FC-AC1667EBCBE1}">
               <a14:hiddenEffects xmlns:a14="http://schemas.microsoft.com/office/drawing/2010/main">
                 <a:effectLst>
                   <a:outerShdw dist="35921" dir="2700000" algn="ctr" rotWithShape="0">
@@ -3221,7 +3221,7 @@
       </p:pic>
       <p:pic>
         <p:nvPicPr>
-          <p:cNvPr id="14" name="Picture 9"/>
+          <p:cNvPr id="1026" name="Picture 2"/>
           <p:cNvPicPr>
             <a:picLocks noChangeAspect="1" noChangeArrowheads="1"/>
           </p:cNvPicPr>
@@ -3235,13 +3235,13 @@
               </a:ext>
             </a:extLst>
           </a:blip>
-          <a:srcRect l="466" t="10207" r="54585" b="9874"/>
+          <a:srcRect l="-1" t="10486" r="54470" b="9593"/>
           <a:stretch/>
         </p:blipFill>
         <p:spPr bwMode="auto">
           <a:xfrm>
-            <a:off x="7467600" y="152400"/>
-            <a:ext cx="6850251" cy="6851178"/>
+            <a:off x="14701953" y="150619"/>
+            <a:ext cx="6938847" cy="6851179"/>
           </a:xfrm>
           <a:prstGeom prst="rect">
             <a:avLst/>
@@ -3252,14 +3252,14 @@
           </a:ln>
           <a:effectLst/>
           <a:extLst>
-            <a:ext uri="{909E8E84-426E-40dd-AFC4-6F175D3DCCD1}">
+            <a:ext uri="{909E8E84-426E-40DD-AFC4-6F175D3DCCD1}">
               <a14:hiddenFill xmlns:a14="http://schemas.microsoft.com/office/drawing/2010/main">
                 <a:solidFill>
                   <a:schemeClr val="accent1"/>
                 </a:solidFill>
               </a14:hiddenFill>
             </a:ext>
-            <a:ext uri="{91240B29-F687-4f45-9708-019B960494DF}">
+            <a:ext uri="{91240B29-F687-4F45-9708-019B960494DF}">
               <a14:hiddenLine xmlns:a14="http://schemas.microsoft.com/office/drawing/2010/main" w="9525">
                 <a:solidFill>
                   <a:schemeClr val="tx1"/>
@@ -3269,7 +3269,131 @@
                 <a:tailEnd/>
               </a14:hiddenLine>
             </a:ext>
-            <a:ext uri="{AF507438-7753-43e0-B8FC-AC1667EBCBE1}">
+            <a:ext uri="{AF507438-7753-43E0-B8FC-AC1667EBCBE1}">
+              <a14:hiddenEffects xmlns:a14="http://schemas.microsoft.com/office/drawing/2010/main">
+                <a:effectLst>
+                  <a:outerShdw dist="35921" dir="2700000" algn="ctr" rotWithShape="0">
+                    <a:schemeClr val="bg2"/>
+                  </a:outerShdw>
+                </a:effectLst>
+              </a14:hiddenEffects>
+            </a:ext>
+          </a:extLst>
+        </p:spPr>
+      </p:pic>
+      <p:pic>
+        <p:nvPicPr>
+          <p:cNvPr id="1027" name="Picture 3"/>
+          <p:cNvPicPr>
+            <a:picLocks noChangeAspect="1" noChangeArrowheads="1"/>
+          </p:cNvPicPr>
+          <p:nvPr/>
+        </p:nvPicPr>
+        <p:blipFill rotWithShape="1">
+          <a:blip r:embed="rId5">
+            <a:extLst>
+              <a:ext uri="{28A0092B-C50C-407E-A947-70E740481C1C}">
+                <a14:useLocalDpi xmlns:a14="http://schemas.microsoft.com/office/drawing/2010/main" val="0"/>
+              </a:ext>
+            </a:extLst>
+          </a:blip>
+          <a:srcRect l="473" t="10151" r="54696" b="9950"/>
+          <a:stretch/>
+        </p:blipFill>
+        <p:spPr bwMode="auto">
+          <a:xfrm>
+            <a:off x="164838" y="150619"/>
+            <a:ext cx="6832121" cy="6849373"/>
+          </a:xfrm>
+          <a:prstGeom prst="rect">
+            <a:avLst/>
+          </a:prstGeom>
+          <a:noFill/>
+          <a:ln>
+            <a:noFill/>
+          </a:ln>
+          <a:effectLst/>
+          <a:extLst>
+            <a:ext uri="{909E8E84-426E-40DD-AFC4-6F175D3DCCD1}">
+              <a14:hiddenFill xmlns:a14="http://schemas.microsoft.com/office/drawing/2010/main">
+                <a:solidFill>
+                  <a:schemeClr val="accent1"/>
+                </a:solidFill>
+              </a14:hiddenFill>
+            </a:ext>
+            <a:ext uri="{91240B29-F687-4F45-9708-019B960494DF}">
+              <a14:hiddenLine xmlns:a14="http://schemas.microsoft.com/office/drawing/2010/main" w="9525">
+                <a:solidFill>
+                  <a:schemeClr val="tx1"/>
+                </a:solidFill>
+                <a:miter lim="800000"/>
+                <a:headEnd/>
+                <a:tailEnd/>
+              </a14:hiddenLine>
+            </a:ext>
+            <a:ext uri="{AF507438-7753-43E0-B8FC-AC1667EBCBE1}">
+              <a14:hiddenEffects xmlns:a14="http://schemas.microsoft.com/office/drawing/2010/main">
+                <a:effectLst>
+                  <a:outerShdw dist="35921" dir="2700000" algn="ctr" rotWithShape="0">
+                    <a:schemeClr val="bg2"/>
+                  </a:outerShdw>
+                </a:effectLst>
+              </a14:hiddenEffects>
+            </a:ext>
+          </a:extLst>
+        </p:spPr>
+      </p:pic>
+      <p:pic>
+        <p:nvPicPr>
+          <p:cNvPr id="1028" name="Picture 4"/>
+          <p:cNvPicPr>
+            <a:picLocks noChangeAspect="1" noChangeArrowheads="1"/>
+          </p:cNvPicPr>
+          <p:nvPr/>
+        </p:nvPicPr>
+        <p:blipFill rotWithShape="1">
+          <a:blip r:embed="rId6">
+            <a:extLst>
+              <a:ext uri="{28A0092B-C50C-407E-A947-70E740481C1C}">
+                <a14:useLocalDpi xmlns:a14="http://schemas.microsoft.com/office/drawing/2010/main" val="0"/>
+              </a:ext>
+            </a:extLst>
+          </a:blip>
+          <a:srcRect l="442" t="10519" r="54440" b="9688"/>
+          <a:stretch/>
+        </p:blipFill>
+        <p:spPr bwMode="auto">
+          <a:xfrm>
+            <a:off x="7442039" y="150619"/>
+            <a:ext cx="6875812" cy="6840187"/>
+          </a:xfrm>
+          <a:prstGeom prst="rect">
+            <a:avLst/>
+          </a:prstGeom>
+          <a:noFill/>
+          <a:ln>
+            <a:noFill/>
+          </a:ln>
+          <a:effectLst/>
+          <a:extLst>
+            <a:ext uri="{909E8E84-426E-40DD-AFC4-6F175D3DCCD1}">
+              <a14:hiddenFill xmlns:a14="http://schemas.microsoft.com/office/drawing/2010/main">
+                <a:solidFill>
+                  <a:schemeClr val="accent1"/>
+                </a:solidFill>
+              </a14:hiddenFill>
+            </a:ext>
+            <a:ext uri="{91240B29-F687-4F45-9708-019B960494DF}">
+              <a14:hiddenLine xmlns:a14="http://schemas.microsoft.com/office/drawing/2010/main" w="9525">
+                <a:solidFill>
+                  <a:schemeClr val="tx1"/>
+                </a:solidFill>
+                <a:miter lim="800000"/>
+                <a:headEnd/>
+                <a:tailEnd/>
+              </a14:hiddenLine>
+            </a:ext>
+            <a:ext uri="{AF507438-7753-43E0-B8FC-AC1667EBCBE1}">
               <a14:hiddenEffects xmlns:a14="http://schemas.microsoft.com/office/drawing/2010/main">
                 <a:effectLst>
                   <a:outerShdw dist="35921" dir="2700000" algn="ctr" rotWithShape="0">
@@ -3294,7 +3418,7 @@
   <p:timing>
     <p:tnLst>
       <p:par>
-        <p:cTn xmlns:p14="http://schemas.microsoft.com/office/powerpoint/2010/main" id="1" dur="indefinite" restart="never" nodeType="tmRoot"/>
+        <p:cTn id="1" dur="indefinite" restart="never" nodeType="tmRoot"/>
       </p:par>
     </p:tnLst>
   </p:timing>
